--- a/drone_2023/present1.pptx
+++ b/drone_2023/present1.pptx
@@ -165,6 +165,9 @@
         </p14:section>
       </p14:sectionLst>
     </p:ext>
+    <p:ext uri="{EFAFB233-063F-42B5-8137-9DF3F51BA10A}">
+      <p15:sldGuideLst xmlns:p15="http://schemas.microsoft.com/office/powerpoint/2012/main"/>
+    </p:ext>
   </p:extLst>
 </p:presentation>
 </file>
@@ -251,7 +254,7 @@
           <a:p>
             <a:fld id="{770AA1C9-F644-429C-8583-2FF98D758CD0}" type="datetimeFigureOut">
               <a:rPr lang="en-MY" smtClean="0"/>
-              <a:t>21/12/2022</a:t>
+              <a:t>22/12/2022</a:t>
             </a:fld>
             <a:endParaRPr lang="en-MY"/>
           </a:p>
@@ -6504,7 +6507,7 @@
                   <a:rPr lang="en-MY" sz="2800" b="1" u="sng" dirty="0">
                     <a:latin typeface="Liberation Serif" panose="02020603050405020304" pitchFamily="18" charset="0"/>
                   </a:rPr>
-                  <a:t>Petra Flyers Racing Club (PFRC)</a:t>
+                  <a:t>Petra Flyers RC Club (PFRC Club)</a:t>
                 </a:r>
                 <a:r>
                   <a:rPr lang="en-MY" sz="2800" dirty="0">
@@ -6565,7 +6568,7 @@
                   <a:rPr lang="en-MY" sz="2800" dirty="0">
                     <a:latin typeface="Liberation Serif" panose="02020603050405020304" pitchFamily="18" charset="0"/>
                   </a:rPr>
-                  <a:t>LED track built by PFRC, raw materials provided by </a:t>
+                  <a:t>LED track built by PFRC Club, raw materials provided by </a:t>
                 </a:r>
                 <a:r>
                   <a:rPr lang="en-MY" sz="2800" dirty="0" err="1">
@@ -6633,7 +6636,7 @@
               <a:lstStyle/>
               <a:p>
                 <a:r>
-                  <a:rPr lang="en-MY">
+                  <a:rPr lang="en-GB">
                     <a:noFill/>
                   </a:rPr>
                   <a:t> </a:t>
@@ -10790,8 +10793,8 @@
           </a:prstGeom>
         </p:spPr>
       </p:pic>
-      <mc:AlternateContent xmlns:mc="http://schemas.openxmlformats.org/markup-compatibility/2006">
-        <mc:Choice xmlns:a14="http://schemas.microsoft.com/office/drawing/2010/main" Requires="a14">
+      <mc:AlternateContent xmlns:mc="http://schemas.openxmlformats.org/markup-compatibility/2006" xmlns:a14="http://schemas.microsoft.com/office/drawing/2010/main">
+        <mc:Choice Requires="a14">
           <p:sp>
             <p:nvSpPr>
               <p:cNvPr id="17" name="TextBox 16">
@@ -10900,7 +10903,7 @@
             </p:txBody>
           </p:sp>
         </mc:Choice>
-        <mc:Fallback>
+        <mc:Fallback xmlns="">
           <p:sp>
             <p:nvSpPr>
               <p:cNvPr id="17" name="TextBox 16">
@@ -11734,8 +11737,8 @@
           </a:prstGeom>
         </p:spPr>
       </p:pic>
-      <mc:AlternateContent xmlns:mc="http://schemas.openxmlformats.org/markup-compatibility/2006">
-        <mc:Choice xmlns:a14="http://schemas.microsoft.com/office/drawing/2010/main" Requires="a14">
+      <mc:AlternateContent xmlns:mc="http://schemas.openxmlformats.org/markup-compatibility/2006" xmlns:a14="http://schemas.microsoft.com/office/drawing/2010/main">
+        <mc:Choice Requires="a14">
           <p:sp>
             <p:nvSpPr>
               <p:cNvPr id="17" name="TextBox 16">
@@ -11798,7 +11801,7 @@
             </p:txBody>
           </p:sp>
         </mc:Choice>
-        <mc:Fallback>
+        <mc:Fallback xmlns="">
           <p:sp>
             <p:nvSpPr>
               <p:cNvPr id="17" name="TextBox 16">
